--- a/Presentation/Group B_GreatOutDoors_Ayush Agrawal.pptx
+++ b/Presentation/Group B_GreatOutDoors_Ayush Agrawal.pptx
@@ -115,6 +115,22 @@
       </a:defRPr>
     </a:lvl9pPr>
   </p:defaultTextStyle>
+  <p:extLst>
+    <p:ext uri="{EFAFB233-063F-42B5-8137-9DF3F51BA10A}">
+      <p15:sldGuideLst xmlns:p15="http://schemas.microsoft.com/office/powerpoint/2012/main">
+        <p15:guide id="1" orient="horz" pos="2160">
+          <p15:clr>
+            <a:srgbClr val="A4A3A4"/>
+          </p15:clr>
+        </p15:guide>
+        <p15:guide id="2" pos="3840">
+          <p15:clr>
+            <a:srgbClr val="A4A3A4"/>
+          </p15:clr>
+        </p15:guide>
+      </p15:sldGuideLst>
+    </p:ext>
+  </p:extLst>
 </p:presentation>
 </file>
 
@@ -3166,7 +3182,7 @@
           <p:cNvPr id="2" name="Title 1">
             <a:extLst>
               <a:ext uri="{FF2B5EF4-FFF2-40B4-BE49-F238E27FC236}">
-                <a16:creationId xmlns:a16="http://schemas.microsoft.com/office/drawing/2014/main" xmlns="" id="{3DE459FE-6616-4ECB-A65C-8FD4C39FAD7A}"/>
+                <a16:creationId xmlns="" xmlns:a16="http://schemas.microsoft.com/office/drawing/2014/main" id="{3DE459FE-6616-4ECB-A65C-8FD4C39FAD7A}"/>
               </a:ext>
             </a:extLst>
           </p:cNvPr>
@@ -3227,7 +3243,7 @@
           <p:cNvPr id="3" name="Subtitle 2">
             <a:extLst>
               <a:ext uri="{FF2B5EF4-FFF2-40B4-BE49-F238E27FC236}">
-                <a16:creationId xmlns:a16="http://schemas.microsoft.com/office/drawing/2014/main" xmlns="" id="{74DD0ECB-3322-428C-8D7C-1FB23DD3AA4D}"/>
+                <a16:creationId xmlns="" xmlns:a16="http://schemas.microsoft.com/office/drawing/2014/main" id="{74DD0ECB-3322-428C-8D7C-1FB23DD3AA4D}"/>
               </a:ext>
             </a:extLst>
           </p:cNvPr>
@@ -3241,7 +3257,7 @@
         <p:spPr>
           <a:xfrm>
             <a:off x="8229600" y="3602038"/>
-            <a:ext cx="3009900" cy="1655762"/>
+            <a:ext cx="3771900" cy="2947352"/>
           </a:xfrm>
         </p:spPr>
         <p:txBody>
@@ -3250,30 +3266,93 @@
           </a:bodyPr>
           <a:lstStyle/>
           <a:p>
-            <a:r>
-              <a:rPr lang="en-IN" b="1" dirty="0" smtClean="0">
+            <a:pPr algn="l"/>
+            <a:r>
+              <a:rPr lang="en-IN" sz="2000" b="1" dirty="0" smtClean="0">
                 <a:latin typeface="Times New Roman" panose="02020603050405020304" pitchFamily="18" charset="0"/>
                 <a:cs typeface="Times New Roman" panose="02020603050405020304" pitchFamily="18" charset="0"/>
               </a:rPr>
-              <a:t>By </a:t>
-            </a:r>
-          </a:p>
-          <a:p>
-            <a:r>
-              <a:rPr lang="en-IN" b="1" dirty="0" smtClean="0">
+              <a:t>By- </a:t>
+            </a:r>
+          </a:p>
+          <a:p>
+            <a:pPr algn="l"/>
+            <a:r>
+              <a:rPr lang="en-IN" sz="2000" b="1" dirty="0">
                 <a:latin typeface="Times New Roman" panose="02020603050405020304" pitchFamily="18" charset="0"/>
                 <a:cs typeface="Times New Roman" panose="02020603050405020304" pitchFamily="18" charset="0"/>
               </a:rPr>
-              <a:t> Ayush Agrawal</a:t>
-            </a:r>
-            <a:endParaRPr lang="en-IN" b="1" dirty="0">
+              <a:t>Ayush </a:t>
+            </a:r>
+            <a:r>
+              <a:rPr lang="en-IN" sz="2000" b="1" dirty="0" smtClean="0">
+                <a:latin typeface="Times New Roman" panose="02020603050405020304" pitchFamily="18" charset="0"/>
+                <a:cs typeface="Times New Roman" panose="02020603050405020304" pitchFamily="18" charset="0"/>
+              </a:rPr>
+              <a:t>Agrawal</a:t>
+            </a:r>
+            <a:endParaRPr lang="en-IN" sz="2000" b="1" dirty="0">
               <a:latin typeface="Times New Roman" panose="02020603050405020304" pitchFamily="18" charset="0"/>
               <a:cs typeface="Times New Roman" panose="02020603050405020304" pitchFamily="18" charset="0"/>
             </a:endParaRPr>
           </a:p>
           <a:p>
-            <a:pPr algn="r"/>
-            <a:endParaRPr lang="en-IN" b="1" dirty="0">
+            <a:pPr algn="l"/>
+            <a:r>
+              <a:rPr lang="en-IN" sz="2000" b="1" dirty="0" smtClean="0">
+                <a:latin typeface="Times New Roman" panose="02020603050405020304" pitchFamily="18" charset="0"/>
+                <a:cs typeface="Times New Roman" panose="02020603050405020304" pitchFamily="18" charset="0"/>
+              </a:rPr>
+              <a:t>Abhishek </a:t>
+            </a:r>
+            <a:r>
+              <a:rPr lang="en-IN" sz="2000" b="1" dirty="0">
+                <a:latin typeface="Times New Roman" panose="02020603050405020304" pitchFamily="18" charset="0"/>
+                <a:cs typeface="Times New Roman" panose="02020603050405020304" pitchFamily="18" charset="0"/>
+              </a:rPr>
+              <a:t>Pratap Singh</a:t>
+            </a:r>
+          </a:p>
+          <a:p>
+            <a:pPr algn="l"/>
+            <a:r>
+              <a:rPr lang="en-IN" sz="2000" b="1" dirty="0">
+                <a:latin typeface="Times New Roman" panose="02020603050405020304" pitchFamily="18" charset="0"/>
+                <a:cs typeface="Times New Roman" panose="02020603050405020304" pitchFamily="18" charset="0"/>
+              </a:rPr>
+              <a:t>Prafull Sharma</a:t>
+            </a:r>
+          </a:p>
+          <a:p>
+            <a:pPr algn="l"/>
+            <a:r>
+              <a:rPr lang="en-IN" sz="2000" b="1" dirty="0">
+                <a:latin typeface="Times New Roman" panose="02020603050405020304" pitchFamily="18" charset="0"/>
+                <a:cs typeface="Times New Roman" panose="02020603050405020304" pitchFamily="18" charset="0"/>
+              </a:rPr>
+              <a:t>C Akhil Chowdary</a:t>
+            </a:r>
+          </a:p>
+          <a:p>
+            <a:pPr algn="l"/>
+            <a:r>
+              <a:rPr lang="en-IN" sz="2000" b="1" dirty="0">
+                <a:latin typeface="Times New Roman" panose="02020603050405020304" pitchFamily="18" charset="0"/>
+                <a:cs typeface="Times New Roman" panose="02020603050405020304" pitchFamily="18" charset="0"/>
+              </a:rPr>
+              <a:t>Arshpreet</a:t>
+            </a:r>
+          </a:p>
+          <a:p>
+            <a:pPr algn="l"/>
+            <a:r>
+              <a:rPr lang="en-IN" sz="2000" b="1" dirty="0" smtClean="0">
+                <a:latin typeface="Times New Roman" panose="02020603050405020304" pitchFamily="18" charset="0"/>
+                <a:cs typeface="Times New Roman" panose="02020603050405020304" pitchFamily="18" charset="0"/>
+              </a:rPr>
+              <a:t>Sravani</a:t>
+            </a:r>
+            <a:endParaRPr lang="en-IN" sz="2000" b="1" dirty="0">
               <a:latin typeface="Times New Roman" panose="02020603050405020304" pitchFamily="18" charset="0"/>
               <a:cs typeface="Times New Roman" panose="02020603050405020304" pitchFamily="18" charset="0"/>
             </a:endParaRPr>
@@ -3283,7 +3362,7 @@
     </p:spTree>
     <p:extLst>
       <p:ext uri="{BB962C8B-B14F-4D97-AF65-F5344CB8AC3E}">
-        <p14:creationId xmlns:p14="http://schemas.microsoft.com/office/powerpoint/2010/main" xmlns="" val="2061013508"/>
+        <p14:creationId xmlns:p14="http://schemas.microsoft.com/office/powerpoint/2010/main" val="2061013508"/>
       </p:ext>
     </p:extLst>
   </p:cSld>
@@ -3315,7 +3394,7 @@
           <p:cNvPr id="2" name="Title 1">
             <a:extLst>
               <a:ext uri="{FF2B5EF4-FFF2-40B4-BE49-F238E27FC236}">
-                <a16:creationId xmlns:a16="http://schemas.microsoft.com/office/drawing/2014/main" xmlns="" id="{36F4321F-694F-4DF5-928C-E6AF320B2A61}"/>
+                <a16:creationId xmlns="" xmlns:a16="http://schemas.microsoft.com/office/drawing/2014/main" id="{36F4321F-694F-4DF5-928C-E6AF320B2A61}"/>
               </a:ext>
             </a:extLst>
           </p:cNvPr>
@@ -3395,7 +3474,7 @@
     </p:spTree>
     <p:extLst>
       <p:ext uri="{BB962C8B-B14F-4D97-AF65-F5344CB8AC3E}">
-        <p14:creationId xmlns:p14="http://schemas.microsoft.com/office/powerpoint/2010/main" xmlns="" val="3314477036"/>
+        <p14:creationId xmlns:p14="http://schemas.microsoft.com/office/powerpoint/2010/main" val="3314477036"/>
       </p:ext>
     </p:extLst>
   </p:cSld>
@@ -3427,7 +3506,7 @@
           <p:cNvPr id="2" name="Title 1">
             <a:extLst>
               <a:ext uri="{FF2B5EF4-FFF2-40B4-BE49-F238E27FC236}">
-                <a16:creationId xmlns:a16="http://schemas.microsoft.com/office/drawing/2014/main" xmlns="" id="{36F4321F-694F-4DF5-928C-E6AF320B2A61}"/>
+                <a16:creationId xmlns="" xmlns:a16="http://schemas.microsoft.com/office/drawing/2014/main" id="{36F4321F-694F-4DF5-928C-E6AF320B2A61}"/>
               </a:ext>
             </a:extLst>
           </p:cNvPr>
@@ -3507,7 +3586,7 @@
     </p:spTree>
     <p:extLst>
       <p:ext uri="{BB962C8B-B14F-4D97-AF65-F5344CB8AC3E}">
-        <p14:creationId xmlns:p14="http://schemas.microsoft.com/office/powerpoint/2010/main" xmlns="" val="3314477036"/>
+        <p14:creationId xmlns:p14="http://schemas.microsoft.com/office/powerpoint/2010/main" val="3314477036"/>
       </p:ext>
     </p:extLst>
   </p:cSld>
@@ -3539,7 +3618,7 @@
           <p:cNvPr id="2" name="Title 1">
             <a:extLst>
               <a:ext uri="{FF2B5EF4-FFF2-40B4-BE49-F238E27FC236}">
-                <a16:creationId xmlns:a16="http://schemas.microsoft.com/office/drawing/2014/main" xmlns="" id="{2279C012-8D99-426B-99F0-614D9BB68D73}"/>
+                <a16:creationId xmlns="" xmlns:a16="http://schemas.microsoft.com/office/drawing/2014/main" id="{2279C012-8D99-426B-99F0-614D9BB68D73}"/>
               </a:ext>
             </a:extLst>
           </p:cNvPr>
@@ -3574,7 +3653,7 @@
     </p:spTree>
     <p:extLst>
       <p:ext uri="{BB962C8B-B14F-4D97-AF65-F5344CB8AC3E}">
-        <p14:creationId xmlns:p14="http://schemas.microsoft.com/office/powerpoint/2010/main" xmlns="" val="543013498"/>
+        <p14:creationId xmlns:p14="http://schemas.microsoft.com/office/powerpoint/2010/main" val="543013498"/>
       </p:ext>
     </p:extLst>
   </p:cSld>
@@ -3606,7 +3685,7 @@
           <p:cNvPr id="2" name="Title 1">
             <a:extLst>
               <a:ext uri="{FF2B5EF4-FFF2-40B4-BE49-F238E27FC236}">
-                <a16:creationId xmlns:a16="http://schemas.microsoft.com/office/drawing/2014/main" xmlns="" id="{C58B934C-EFD2-454C-88D2-8DD6CE23214B}"/>
+                <a16:creationId xmlns="" xmlns:a16="http://schemas.microsoft.com/office/drawing/2014/main" id="{C58B934C-EFD2-454C-88D2-8DD6CE23214B}"/>
               </a:ext>
             </a:extLst>
           </p:cNvPr>
@@ -3651,7 +3730,7 @@
         </p:nvSpPr>
         <p:spPr>
           <a:xfrm>
-            <a:off x="1303076" y="1897631"/>
+            <a:off x="1314506" y="2000501"/>
             <a:ext cx="7199479" cy="4370427"/>
           </a:xfrm>
           <a:prstGeom prst="rect">
@@ -3697,19 +3776,8 @@
                 <a:latin typeface="Times New Roman" pitchFamily="18" charset="0"/>
                 <a:cs typeface="Times New Roman" pitchFamily="18" charset="0"/>
               </a:rPr>
-              <a:t>Validation of  Product Id , Order Id and Quantity of </a:t>
-            </a:r>
-            <a:r>
-              <a:rPr lang="en-US" sz="2000" dirty="0" smtClean="0">
-                <a:latin typeface="Times New Roman" pitchFamily="18" charset="0"/>
-                <a:cs typeface="Times New Roman" pitchFamily="18" charset="0"/>
-              </a:rPr>
-              <a:t> Product</a:t>
-            </a:r>
-            <a:endParaRPr lang="en-US" sz="2000" dirty="0" smtClean="0">
-              <a:latin typeface="Times New Roman" pitchFamily="18" charset="0"/>
-              <a:cs typeface="Times New Roman" pitchFamily="18" charset="0"/>
-            </a:endParaRPr>
+              <a:t>Validation of  Product Id , Order Id and Quantity of  Product</a:t>
+            </a:r>
           </a:p>
           <a:p>
             <a:pPr algn="just">
@@ -3866,7 +3934,7 @@
     </p:spTree>
     <p:extLst>
       <p:ext uri="{BB962C8B-B14F-4D97-AF65-F5344CB8AC3E}">
-        <p14:creationId xmlns:p14="http://schemas.microsoft.com/office/powerpoint/2010/main" xmlns="" val="1198916669"/>
+        <p14:creationId xmlns:p14="http://schemas.microsoft.com/office/powerpoint/2010/main" val="1198916669"/>
       </p:ext>
     </p:extLst>
   </p:cSld>
@@ -3898,7 +3966,7 @@
           <p:cNvPr id="2" name="Title 1">
             <a:extLst>
               <a:ext uri="{FF2B5EF4-FFF2-40B4-BE49-F238E27FC236}">
-                <a16:creationId xmlns:a16="http://schemas.microsoft.com/office/drawing/2014/main" xmlns="" id="{C58B934C-EFD2-454C-88D2-8DD6CE23214B}"/>
+                <a16:creationId xmlns="" xmlns:a16="http://schemas.microsoft.com/office/drawing/2014/main" id="{C58B934C-EFD2-454C-88D2-8DD6CE23214B}"/>
               </a:ext>
             </a:extLst>
           </p:cNvPr>
@@ -4110,7 +4178,7 @@
     </p:spTree>
     <p:extLst>
       <p:ext uri="{BB962C8B-B14F-4D97-AF65-F5344CB8AC3E}">
-        <p14:creationId xmlns:p14="http://schemas.microsoft.com/office/powerpoint/2010/main" xmlns="" val="1198916669"/>
+        <p14:creationId xmlns:p14="http://schemas.microsoft.com/office/powerpoint/2010/main" val="1198916669"/>
       </p:ext>
     </p:extLst>
   </p:cSld>
@@ -4142,7 +4210,7 @@
           <p:cNvPr id="2" name="Title 1">
             <a:extLst>
               <a:ext uri="{FF2B5EF4-FFF2-40B4-BE49-F238E27FC236}">
-                <a16:creationId xmlns:a16="http://schemas.microsoft.com/office/drawing/2014/main" xmlns="" id="{3FBB740B-B4A7-4C25-8D2E-A1B57733041F}"/>
+                <a16:creationId xmlns="" xmlns:a16="http://schemas.microsoft.com/office/drawing/2014/main" id="{3FBB740B-B4A7-4C25-8D2E-A1B57733041F}"/>
               </a:ext>
             </a:extLst>
           </p:cNvPr>
@@ -4191,7 +4259,7 @@
           <a:blip r:embed="rId2">
             <a:extLst>
               <a:ext uri="{28A0092B-C50C-407E-A947-70E740481C1C}">
-                <a14:useLocalDpi xmlns:a14="http://schemas.microsoft.com/office/drawing/2010/main" xmlns="" val="0"/>
+                <a14:useLocalDpi xmlns:a14="http://schemas.microsoft.com/office/drawing/2010/main" val="0"/>
               </a:ext>
             </a:extLst>
           </a:blip>
@@ -4211,7 +4279,7 @@
           <a:noFill/>
           <a:extLst>
             <a:ext uri="{909E8E84-426E-40DD-AFC4-6F175D3DCCD1}">
-              <a14:hiddenFill xmlns:a14="http://schemas.microsoft.com/office/drawing/2010/main" xmlns="">
+              <a14:hiddenFill xmlns:a14="http://schemas.microsoft.com/office/drawing/2010/main">
                 <a:solidFill>
                   <a:srgbClr val="FFFFFF"/>
                 </a:solidFill>
@@ -4223,7 +4291,7 @@
     </p:spTree>
     <p:extLst>
       <p:ext uri="{BB962C8B-B14F-4D97-AF65-F5344CB8AC3E}">
-        <p14:creationId xmlns:p14="http://schemas.microsoft.com/office/powerpoint/2010/main" xmlns="" val="3910053781"/>
+        <p14:creationId xmlns:p14="http://schemas.microsoft.com/office/powerpoint/2010/main" val="3910053781"/>
       </p:ext>
     </p:extLst>
   </p:cSld>
@@ -4255,7 +4323,7 @@
           <p:cNvPr id="2" name="Title 1">
             <a:extLst>
               <a:ext uri="{FF2B5EF4-FFF2-40B4-BE49-F238E27FC236}">
-                <a16:creationId xmlns:a16="http://schemas.microsoft.com/office/drawing/2014/main" xmlns="" id="{3FBB740B-B4A7-4C25-8D2E-A1B57733041F}"/>
+                <a16:creationId xmlns="" xmlns:a16="http://schemas.microsoft.com/office/drawing/2014/main" id="{3FBB740B-B4A7-4C25-8D2E-A1B57733041F}"/>
               </a:ext>
             </a:extLst>
           </p:cNvPr>
@@ -4311,7 +4379,7 @@
           <a:blip r:embed="rId2">
             <a:extLst>
               <a:ext uri="{28A0092B-C50C-407E-A947-70E740481C1C}">
-                <a14:useLocalDpi xmlns:a14="http://schemas.microsoft.com/office/drawing/2010/main" xmlns="" val="0"/>
+                <a14:useLocalDpi xmlns:a14="http://schemas.microsoft.com/office/drawing/2010/main" val="0"/>
               </a:ext>
             </a:extLst>
           </a:blip>
@@ -4331,7 +4399,7 @@
           <a:noFill/>
           <a:extLst>
             <a:ext uri="{909E8E84-426E-40DD-AFC4-6F175D3DCCD1}">
-              <a14:hiddenFill xmlns:a14="http://schemas.microsoft.com/office/drawing/2010/main" xmlns="">
+              <a14:hiddenFill xmlns:a14="http://schemas.microsoft.com/office/drawing/2010/main">
                 <a:solidFill>
                   <a:srgbClr val="FFFFFF"/>
                 </a:solidFill>
@@ -4343,7 +4411,7 @@
     </p:spTree>
     <p:extLst>
       <p:ext uri="{BB962C8B-B14F-4D97-AF65-F5344CB8AC3E}">
-        <p14:creationId xmlns:p14="http://schemas.microsoft.com/office/powerpoint/2010/main" xmlns="" val="3910053781"/>
+        <p14:creationId xmlns:p14="http://schemas.microsoft.com/office/powerpoint/2010/main" val="3910053781"/>
       </p:ext>
     </p:extLst>
   </p:cSld>
@@ -4375,7 +4443,7 @@
           <p:cNvPr id="2" name="Title 1">
             <a:extLst>
               <a:ext uri="{FF2B5EF4-FFF2-40B4-BE49-F238E27FC236}">
-                <a16:creationId xmlns:a16="http://schemas.microsoft.com/office/drawing/2014/main" xmlns="" id="{3FBB740B-B4A7-4C25-8D2E-A1B57733041F}"/>
+                <a16:creationId xmlns="" xmlns:a16="http://schemas.microsoft.com/office/drawing/2014/main" id="{3FBB740B-B4A7-4C25-8D2E-A1B57733041F}"/>
               </a:ext>
             </a:extLst>
           </p:cNvPr>
@@ -4431,7 +4499,7 @@
           <a:blip r:embed="rId2">
             <a:extLst>
               <a:ext uri="{28A0092B-C50C-407E-A947-70E740481C1C}">
-                <a14:useLocalDpi xmlns:a14="http://schemas.microsoft.com/office/drawing/2010/main" xmlns="" val="0"/>
+                <a14:useLocalDpi xmlns:a14="http://schemas.microsoft.com/office/drawing/2010/main" val="0"/>
               </a:ext>
             </a:extLst>
           </a:blip>
@@ -4451,7 +4519,7 @@
           <a:noFill/>
           <a:extLst>
             <a:ext uri="{909E8E84-426E-40DD-AFC4-6F175D3DCCD1}">
-              <a14:hiddenFill xmlns:a14="http://schemas.microsoft.com/office/drawing/2010/main" xmlns="">
+              <a14:hiddenFill xmlns:a14="http://schemas.microsoft.com/office/drawing/2010/main">
                 <a:solidFill>
                   <a:srgbClr val="FFFFFF"/>
                 </a:solidFill>
@@ -4463,7 +4531,7 @@
     </p:spTree>
     <p:extLst>
       <p:ext uri="{BB962C8B-B14F-4D97-AF65-F5344CB8AC3E}">
-        <p14:creationId xmlns:p14="http://schemas.microsoft.com/office/powerpoint/2010/main" xmlns="" val="3910053781"/>
+        <p14:creationId xmlns:p14="http://schemas.microsoft.com/office/powerpoint/2010/main" val="3910053781"/>
       </p:ext>
     </p:extLst>
   </p:cSld>
@@ -4551,7 +4619,7 @@
     </p:spTree>
     <p:extLst>
       <p:ext uri="{BB962C8B-B14F-4D97-AF65-F5344CB8AC3E}">
-        <p14:creationId xmlns:p14="http://schemas.microsoft.com/office/powerpoint/2010/main" xmlns="" val="3933024254"/>
+        <p14:creationId xmlns:p14="http://schemas.microsoft.com/office/powerpoint/2010/main" val="3933024254"/>
       </p:ext>
     </p:extLst>
   </p:cSld>
@@ -4639,7 +4707,7 @@
     </p:spTree>
     <p:extLst>
       <p:ext uri="{BB962C8B-B14F-4D97-AF65-F5344CB8AC3E}">
-        <p14:creationId xmlns:p14="http://schemas.microsoft.com/office/powerpoint/2010/main" xmlns="" val="3256546435"/>
+        <p14:creationId xmlns:p14="http://schemas.microsoft.com/office/powerpoint/2010/main" val="3256546435"/>
       </p:ext>
     </p:extLst>
   </p:cSld>
@@ -4727,7 +4795,7 @@
     </p:spTree>
     <p:extLst>
       <p:ext uri="{BB962C8B-B14F-4D97-AF65-F5344CB8AC3E}">
-        <p14:creationId xmlns:p14="http://schemas.microsoft.com/office/powerpoint/2010/main" xmlns="" val="3256546435"/>
+        <p14:creationId xmlns:p14="http://schemas.microsoft.com/office/powerpoint/2010/main" val="3256546435"/>
       </p:ext>
     </p:extLst>
   </p:cSld>
@@ -5027,15 +5095,6 @@
 </file>
 
 <file path=customXml/item2.xml><?xml version="1.0" encoding="utf-8"?>
-<?mso-contentType ?>
-<FormTemplates xmlns="http://schemas.microsoft.com/sharepoint/v3/contenttype/forms">
-  <Display>DocumentLibraryForm</Display>
-  <Edit>DocumentLibraryForm</Edit>
-  <New>DocumentLibraryForm</New>
-</FormTemplates>
-</file>
-
-<file path=customXml/item3.xml><?xml version="1.0" encoding="utf-8"?>
 <ct:contentTypeSchema xmlns:ct="http://schemas.microsoft.com/office/2006/metadata/contentType" xmlns:ma="http://schemas.microsoft.com/office/2006/metadata/properties/metaAttributes" ct:_="" ma:_="" ma:contentTypeName="Document" ma:contentTypeID="0x010100FC3EC6E82BA5F1488B001F849128D20B" ma:contentTypeVersion="10" ma:contentTypeDescription="Create a new document." ma:contentTypeScope="" ma:versionID="020918f8d88af972da61b33e11ec30cd">
   <xsd:schema xmlns:xsd="http://www.w3.org/2001/XMLSchema" xmlns:xs="http://www.w3.org/2001/XMLSchema" xmlns:p="http://schemas.microsoft.com/office/2006/metadata/properties" xmlns:ns3="05dee929-f352-4fc4-88d6-8470e3365306" targetNamespace="http://schemas.microsoft.com/office/2006/metadata/properties" ma:root="true" ma:fieldsID="ff83cffa19c7c71f9e553e6e45bb1cda" ns3:_="">
     <xsd:import namespace="05dee929-f352-4fc4-88d6-8470e3365306"/>
@@ -5219,31 +5278,32 @@
 </ct:contentTypeSchema>
 </file>
 
+<file path=customXml/item3.xml><?xml version="1.0" encoding="utf-8"?>
+<?mso-contentType ?>
+<FormTemplates xmlns="http://schemas.microsoft.com/sharepoint/v3/contenttype/forms">
+  <Display>DocumentLibraryForm</Display>
+  <Edit>DocumentLibraryForm</Edit>
+  <New>DocumentLibraryForm</New>
+</FormTemplates>
+</file>
+
 <file path=customXml/itemProps1.xml><?xml version="1.0" encoding="utf-8"?>
 <ds:datastoreItem xmlns:ds="http://schemas.openxmlformats.org/officeDocument/2006/customXml" ds:itemID="{74D8516C-6775-4188-834D-D5D39F799929}">
   <ds:schemaRefs>
+    <ds:schemaRef ds:uri="http://schemas.microsoft.com/office/2006/documentManagement/types"/>
+    <ds:schemaRef ds:uri="http://purl.org/dc/terms/"/>
+    <ds:schemaRef ds:uri="http://schemas.openxmlformats.org/package/2006/metadata/core-properties"/>
+    <ds:schemaRef ds:uri="http://purl.org/dc/dcmitype/"/>
+    <ds:schemaRef ds:uri="http://schemas.microsoft.com/office/infopath/2007/PartnerControls"/>
+    <ds:schemaRef ds:uri="05dee929-f352-4fc4-88d6-8470e3365306"/>
+    <ds:schemaRef ds:uri="http://purl.org/dc/elements/1.1/"/>
     <ds:schemaRef ds:uri="http://schemas.microsoft.com/office/2006/metadata/properties"/>
-    <ds:schemaRef ds:uri="http://schemas.microsoft.com/office/2006/documentManagement/types"/>
     <ds:schemaRef ds:uri="http://www.w3.org/XML/1998/namespace"/>
-    <ds:schemaRef ds:uri="http://purl.org/dc/elements/1.1/"/>
-    <ds:schemaRef ds:uri="http://purl.org/dc/terms/"/>
-    <ds:schemaRef ds:uri="http://schemas.microsoft.com/office/infopath/2007/PartnerControls"/>
-    <ds:schemaRef ds:uri="http://schemas.openxmlformats.org/package/2006/metadata/core-properties"/>
-    <ds:schemaRef ds:uri="05dee929-f352-4fc4-88d6-8470e3365306"/>
-    <ds:schemaRef ds:uri="http://purl.org/dc/dcmitype/"/>
   </ds:schemaRefs>
 </ds:datastoreItem>
 </file>
 
 <file path=customXml/itemProps2.xml><?xml version="1.0" encoding="utf-8"?>
-<ds:datastoreItem xmlns:ds="http://schemas.openxmlformats.org/officeDocument/2006/customXml" ds:itemID="{61324F0F-73AA-4A01-96BE-3BE6E3E38FFC}">
-  <ds:schemaRefs>
-    <ds:schemaRef ds:uri="http://schemas.microsoft.com/sharepoint/v3/contenttype/forms"/>
-  </ds:schemaRefs>
-</ds:datastoreItem>
-</file>
-
-<file path=customXml/itemProps3.xml><?xml version="1.0" encoding="utf-8"?>
 <ds:datastoreItem xmlns:ds="http://schemas.openxmlformats.org/officeDocument/2006/customXml" ds:itemID="{0EBEE307-6D14-4B62-9767-840F9470D1D0}">
   <ds:schemaRefs>
     <ds:schemaRef ds:uri="http://schemas.microsoft.com/office/2006/metadata/contentType"/>
@@ -5259,4 +5319,12 @@
     <ds:schemaRef ds:uri="http://schemas.microsoft.com/internal/obd"/>
   </ds:schemaRefs>
 </ds:datastoreItem>
+</file>
+
+<file path=customXml/itemProps3.xml><?xml version="1.0" encoding="utf-8"?>
+<ds:datastoreItem xmlns:ds="http://schemas.openxmlformats.org/officeDocument/2006/customXml" ds:itemID="{61324F0F-73AA-4A01-96BE-3BE6E3E38FFC}">
+  <ds:schemaRefs>
+    <ds:schemaRef ds:uri="http://schemas.microsoft.com/sharepoint/v3/contenttype/forms"/>
+  </ds:schemaRefs>
+</ds:datastoreItem>
 </file>